--- a/Portfolio/Portfolio.pptx
+++ b/Portfolio/Portfolio.pptx
@@ -7,6 +7,7 @@
   <p:sldIdLst>
     <p:sldId id="256" r:id="rId2"/>
     <p:sldId id="257" r:id="rId3"/>
+    <p:sldId id="258" r:id="rId4"/>
   </p:sldIdLst>
   <p:sldSz cx="12192000" cy="6858000"/>
   <p:notesSz cx="6858000" cy="9144000"/>
@@ -105,6 +106,11 @@
       </a:defRPr>
     </a:lvl9pPr>
   </p:defaultTextStyle>
+  <p:extLst>
+    <p:ext uri="{EFAFB233-063F-42B5-8137-9DF3F51BA10A}">
+      <p15:sldGuideLst xmlns:p15="http://schemas.microsoft.com/office/powerpoint/2012/main"/>
+    </p:ext>
+  </p:extLst>
 </p:presentation>
 </file>
 
@@ -987,10 +993,6 @@
         <a:bodyPr/>
         <a:lstStyle/>
         <a:p>
-          <a:r>
-            <a:rPr lang="de-DE" dirty="0" smtClean="0"/>
-            <a:t>Miguel</a:t>
-          </a:r>
           <a:endParaRPr lang="de-DE" dirty="0"/>
         </a:p>
       </dgm:t>
@@ -1165,6 +1167,29 @@
         </a:p>
       </dgm:t>
     </dgm:pt>
+    <dgm:pt modelId="{C10AC814-B1B9-41EB-B009-771BA33E54D8}">
+      <dgm:prSet phldrT="[Text]"/>
+      <dgm:spPr/>
+      <dgm:t>
+        <a:bodyPr/>
+        <a:lstStyle/>
+        <a:p>
+          <a:r>
+            <a:rPr lang="de-DE" dirty="0" smtClean="0"/>
+            <a:t>Miguel</a:t>
+          </a:r>
+          <a:endParaRPr lang="de-DE" dirty="0"/>
+        </a:p>
+      </dgm:t>
+    </dgm:pt>
+    <dgm:pt modelId="{D0AE8BFC-66F1-4ECC-959D-FAFE704548B8}" type="parTrans" cxnId="{9686FEFE-B31B-49F1-B00E-3529B8AE0FEA}">
+      <dgm:prSet/>
+      <dgm:spPr/>
+    </dgm:pt>
+    <dgm:pt modelId="{8FDB078F-13DC-4DB0-914A-20C9AB5A83E2}" type="sibTrans" cxnId="{9686FEFE-B31B-49F1-B00E-3529B8AE0FEA}">
+      <dgm:prSet/>
+      <dgm:spPr/>
+    </dgm:pt>
     <dgm:pt modelId="{663DFB0D-BF6B-4AFE-8B9B-2C4493BB2006}" type="pres">
       <dgm:prSet presAssocID="{1A7623C2-A81C-4482-9299-BC0163471FAB}" presName="linearFlow" presStyleCnt="0">
         <dgm:presLayoutVars>
@@ -1174,6 +1199,13 @@
         </dgm:presLayoutVars>
       </dgm:prSet>
       <dgm:spPr/>
+      <dgm:t>
+        <a:bodyPr/>
+        <a:lstStyle/>
+        <a:p>
+          <a:endParaRPr lang="de-DE"/>
+        </a:p>
+      </dgm:t>
     </dgm:pt>
     <dgm:pt modelId="{2DC73C6F-2D01-411A-B62C-59D32D4B49C2}" type="pres">
       <dgm:prSet presAssocID="{419C87DA-40A8-4821-AAD6-13C37BFBD3A6}" presName="composite" presStyleCnt="0"/>
@@ -1214,14 +1246,35 @@
         </dgm:presLayoutVars>
       </dgm:prSet>
       <dgm:spPr/>
+      <dgm:t>
+        <a:bodyPr/>
+        <a:lstStyle/>
+        <a:p>
+          <a:endParaRPr lang="de-DE"/>
+        </a:p>
+      </dgm:t>
     </dgm:pt>
     <dgm:pt modelId="{00F0F1EC-87AE-4DC2-A5B1-44D86CEBC36E}" type="pres">
       <dgm:prSet presAssocID="{A6E22672-F33E-445C-A5CA-FAE2FC33A48F}" presName="sibTrans" presStyleLbl="sibTrans2D1" presStyleIdx="0" presStyleCnt="3"/>
       <dgm:spPr/>
+      <dgm:t>
+        <a:bodyPr/>
+        <a:lstStyle/>
+        <a:p>
+          <a:endParaRPr lang="de-DE"/>
+        </a:p>
+      </dgm:t>
     </dgm:pt>
     <dgm:pt modelId="{2A9BF22A-E65D-476C-9319-D6E823FFB69C}" type="pres">
       <dgm:prSet presAssocID="{A6E22672-F33E-445C-A5CA-FAE2FC33A48F}" presName="connTx" presStyleLbl="sibTrans2D1" presStyleIdx="0" presStyleCnt="3"/>
       <dgm:spPr/>
+      <dgm:t>
+        <a:bodyPr/>
+        <a:lstStyle/>
+        <a:p>
+          <a:endParaRPr lang="de-DE"/>
+        </a:p>
+      </dgm:t>
     </dgm:pt>
     <dgm:pt modelId="{E727D505-D3D7-4CB3-A460-53255AC6AFF9}" type="pres">
       <dgm:prSet presAssocID="{C0FBAB5E-B30E-4C43-80CC-C31B0DAA5F30}" presName="composite" presStyleCnt="0"/>
@@ -1236,10 +1289,24 @@
         </dgm:presLayoutVars>
       </dgm:prSet>
       <dgm:spPr/>
+      <dgm:t>
+        <a:bodyPr/>
+        <a:lstStyle/>
+        <a:p>
+          <a:endParaRPr lang="de-DE"/>
+        </a:p>
+      </dgm:t>
     </dgm:pt>
     <dgm:pt modelId="{2A332659-3449-431A-80D8-06E13F95FEB2}" type="pres">
       <dgm:prSet presAssocID="{C0FBAB5E-B30E-4C43-80CC-C31B0DAA5F30}" presName="parSh" presStyleLbl="node1" presStyleIdx="1" presStyleCnt="4"/>
       <dgm:spPr/>
+      <dgm:t>
+        <a:bodyPr/>
+        <a:lstStyle/>
+        <a:p>
+          <a:endParaRPr lang="de-DE"/>
+        </a:p>
+      </dgm:t>
     </dgm:pt>
     <dgm:pt modelId="{168B12A3-5B4A-4662-A64D-E27217922E28}" type="pres">
       <dgm:prSet presAssocID="{C0FBAB5E-B30E-4C43-80CC-C31B0DAA5F30}" presName="desTx" presStyleLbl="fgAcc1" presStyleIdx="1" presStyleCnt="4">
@@ -1248,14 +1315,35 @@
         </dgm:presLayoutVars>
       </dgm:prSet>
       <dgm:spPr/>
+      <dgm:t>
+        <a:bodyPr/>
+        <a:lstStyle/>
+        <a:p>
+          <a:endParaRPr lang="de-DE"/>
+        </a:p>
+      </dgm:t>
     </dgm:pt>
     <dgm:pt modelId="{20F1E4D3-501B-4340-9FDE-088DE7F13A68}" type="pres">
       <dgm:prSet presAssocID="{7E2BC307-00A4-4C24-8D8C-DFB95093272A}" presName="sibTrans" presStyleLbl="sibTrans2D1" presStyleIdx="1" presStyleCnt="3"/>
       <dgm:spPr/>
+      <dgm:t>
+        <a:bodyPr/>
+        <a:lstStyle/>
+        <a:p>
+          <a:endParaRPr lang="de-DE"/>
+        </a:p>
+      </dgm:t>
     </dgm:pt>
     <dgm:pt modelId="{794EC879-4CF6-4BA1-B999-666E82C194B3}" type="pres">
       <dgm:prSet presAssocID="{7E2BC307-00A4-4C24-8D8C-DFB95093272A}" presName="connTx" presStyleLbl="sibTrans2D1" presStyleIdx="1" presStyleCnt="3"/>
       <dgm:spPr/>
+      <dgm:t>
+        <a:bodyPr/>
+        <a:lstStyle/>
+        <a:p>
+          <a:endParaRPr lang="de-DE"/>
+        </a:p>
+      </dgm:t>
     </dgm:pt>
     <dgm:pt modelId="{70AAD402-0C85-4FC0-B13C-4C795BA02487}" type="pres">
       <dgm:prSet presAssocID="{17621E8F-AE92-4FDF-B154-E2F076A29821}" presName="composite" presStyleCnt="0"/>
@@ -1270,10 +1358,24 @@
         </dgm:presLayoutVars>
       </dgm:prSet>
       <dgm:spPr/>
+      <dgm:t>
+        <a:bodyPr/>
+        <a:lstStyle/>
+        <a:p>
+          <a:endParaRPr lang="de-DE"/>
+        </a:p>
+      </dgm:t>
     </dgm:pt>
     <dgm:pt modelId="{3D866488-751E-4F83-9FB7-9CBC84C1CA03}" type="pres">
       <dgm:prSet presAssocID="{17621E8F-AE92-4FDF-B154-E2F076A29821}" presName="parSh" presStyleLbl="node1" presStyleIdx="2" presStyleCnt="4"/>
       <dgm:spPr/>
+      <dgm:t>
+        <a:bodyPr/>
+        <a:lstStyle/>
+        <a:p>
+          <a:endParaRPr lang="de-DE"/>
+        </a:p>
+      </dgm:t>
     </dgm:pt>
     <dgm:pt modelId="{B7F2EF07-6214-497D-BA55-764794C93E25}" type="pres">
       <dgm:prSet presAssocID="{17621E8F-AE92-4FDF-B154-E2F076A29821}" presName="desTx" presStyleLbl="fgAcc1" presStyleIdx="2" presStyleCnt="4">
@@ -1293,10 +1395,24 @@
     <dgm:pt modelId="{70610815-0680-4439-9F53-0252AF895075}" type="pres">
       <dgm:prSet presAssocID="{6BFED237-9C0C-443D-AE14-763A59E47CFF}" presName="sibTrans" presStyleLbl="sibTrans2D1" presStyleIdx="2" presStyleCnt="3"/>
       <dgm:spPr/>
+      <dgm:t>
+        <a:bodyPr/>
+        <a:lstStyle/>
+        <a:p>
+          <a:endParaRPr lang="de-DE"/>
+        </a:p>
+      </dgm:t>
     </dgm:pt>
     <dgm:pt modelId="{8B47F224-0C06-4F21-A1EA-3209E4A41202}" type="pres">
       <dgm:prSet presAssocID="{6BFED237-9C0C-443D-AE14-763A59E47CFF}" presName="connTx" presStyleLbl="sibTrans2D1" presStyleIdx="2" presStyleCnt="3"/>
       <dgm:spPr/>
+      <dgm:t>
+        <a:bodyPr/>
+        <a:lstStyle/>
+        <a:p>
+          <a:endParaRPr lang="de-DE"/>
+        </a:p>
+      </dgm:t>
     </dgm:pt>
     <dgm:pt modelId="{F06C621A-8D54-4C84-AC0A-02228B409B62}" type="pres">
       <dgm:prSet presAssocID="{92E41638-751C-4DAF-BED0-8068509BA103}" presName="composite" presStyleCnt="0"/>
@@ -1311,10 +1427,24 @@
         </dgm:presLayoutVars>
       </dgm:prSet>
       <dgm:spPr/>
+      <dgm:t>
+        <a:bodyPr/>
+        <a:lstStyle/>
+        <a:p>
+          <a:endParaRPr lang="de-DE"/>
+        </a:p>
+      </dgm:t>
     </dgm:pt>
     <dgm:pt modelId="{F4E39892-022D-446D-9DC3-BE5E85809436}" type="pres">
       <dgm:prSet presAssocID="{92E41638-751C-4DAF-BED0-8068509BA103}" presName="parSh" presStyleLbl="node1" presStyleIdx="3" presStyleCnt="4"/>
       <dgm:spPr/>
+      <dgm:t>
+        <a:bodyPr/>
+        <a:lstStyle/>
+        <a:p>
+          <a:endParaRPr lang="de-DE"/>
+        </a:p>
+      </dgm:t>
     </dgm:pt>
     <dgm:pt modelId="{3A2F0BCC-1E81-4D24-9A2C-487B41B45376}" type="pres">
       <dgm:prSet presAssocID="{92E41638-751C-4DAF-BED0-8068509BA103}" presName="desTx" presStyleLbl="fgAcc1" presStyleIdx="3" presStyleCnt="4">
@@ -1323,36 +1453,45 @@
         </dgm:presLayoutVars>
       </dgm:prSet>
       <dgm:spPr/>
+      <dgm:t>
+        <a:bodyPr/>
+        <a:lstStyle/>
+        <a:p>
+          <a:endParaRPr lang="de-DE"/>
+        </a:p>
+      </dgm:t>
     </dgm:pt>
   </dgm:ptLst>
   <dgm:cxnLst>
+    <dgm:cxn modelId="{0137AD94-6DD1-4772-AB89-4D6F5627FBCD}" srcId="{1A7623C2-A81C-4482-9299-BC0163471FAB}" destId="{17621E8F-AE92-4FDF-B154-E2F076A29821}" srcOrd="2" destOrd="0" parTransId="{134A4E8D-6FC8-473B-AE99-0A34FA657CDB}" sibTransId="{6BFED237-9C0C-443D-AE14-763A59E47CFF}"/>
+    <dgm:cxn modelId="{92D1E62E-96C7-4119-9742-0627DE80BAE7}" type="presOf" srcId="{B719D6A4-A993-45DB-A146-DAE9F97F07F0}" destId="{B7F2EF07-6214-497D-BA55-764794C93E25}" srcOrd="0" destOrd="0" presId="urn:microsoft.com/office/officeart/2005/8/layout/process3"/>
+    <dgm:cxn modelId="{7F13216F-20BD-4487-8A7D-DC250E2CFD69}" type="presOf" srcId="{419C87DA-40A8-4821-AAD6-13C37BFBD3A6}" destId="{C3CCB23C-C776-4195-9016-B79DDCB966B1}" srcOrd="0" destOrd="0" presId="urn:microsoft.com/office/officeart/2005/8/layout/process3"/>
+    <dgm:cxn modelId="{0DE55B79-7146-4B5C-9FCD-4CFECF53F0DA}" type="presOf" srcId="{C0FBAB5E-B30E-4C43-80CC-C31B0DAA5F30}" destId="{2A332659-3449-431A-80D8-06E13F95FEB2}" srcOrd="1" destOrd="0" presId="urn:microsoft.com/office/officeart/2005/8/layout/process3"/>
+    <dgm:cxn modelId="{8F49C807-E960-494C-A4C2-622E1A28C7C7}" type="presOf" srcId="{A6E22672-F33E-445C-A5CA-FAE2FC33A48F}" destId="{2A9BF22A-E65D-476C-9319-D6E823FFB69C}" srcOrd="1" destOrd="0" presId="urn:microsoft.com/office/officeart/2005/8/layout/process3"/>
+    <dgm:cxn modelId="{46FB11D8-1C66-4F9D-B584-A9334476484C}" type="presOf" srcId="{1A7623C2-A81C-4482-9299-BC0163471FAB}" destId="{663DFB0D-BF6B-4AFE-8B9B-2C4493BB2006}" srcOrd="0" destOrd="0" presId="urn:microsoft.com/office/officeart/2005/8/layout/process3"/>
+    <dgm:cxn modelId="{0E8847D2-8D92-43EB-BEEE-A125A5C9350F}" type="presOf" srcId="{5C0D9B4C-0105-4F91-BBD3-51A6DF6938DB}" destId="{168B12A3-5B4A-4662-A64D-E27217922E28}" srcOrd="0" destOrd="0" presId="urn:microsoft.com/office/officeart/2005/8/layout/process3"/>
+    <dgm:cxn modelId="{3094E556-240D-4689-8315-2B25827B273F}" type="presOf" srcId="{C0FBAB5E-B30E-4C43-80CC-C31B0DAA5F30}" destId="{5FF6C761-19ED-4942-AA7D-A2FD13814565}" srcOrd="0" destOrd="0" presId="urn:microsoft.com/office/officeart/2005/8/layout/process3"/>
+    <dgm:cxn modelId="{38D4D840-70DC-498C-BAEB-5BE45D340E40}" type="presOf" srcId="{92E41638-751C-4DAF-BED0-8068509BA103}" destId="{91DEC055-9722-4FDD-988D-727B8319D51F}" srcOrd="0" destOrd="0" presId="urn:microsoft.com/office/officeart/2005/8/layout/process3"/>
+    <dgm:cxn modelId="{15E4C2E0-F6AE-4C16-B899-B224ECB16AC1}" type="presOf" srcId="{A6E22672-F33E-445C-A5CA-FAE2FC33A48F}" destId="{00F0F1EC-87AE-4DC2-A5B1-44D86CEBC36E}" srcOrd="0" destOrd="0" presId="urn:microsoft.com/office/officeart/2005/8/layout/process3"/>
+    <dgm:cxn modelId="{FBAAD5E5-4748-4741-B3A6-35AB3B0C8C63}" srcId="{17621E8F-AE92-4FDF-B154-E2F076A29821}" destId="{B719D6A4-A993-45DB-A146-DAE9F97F07F0}" srcOrd="0" destOrd="0" parTransId="{50D9BD64-ADA1-4955-B907-82C054B7A736}" sibTransId="{6D13A232-F981-4D2F-8FFC-D0F147EAF445}"/>
+    <dgm:cxn modelId="{C116626B-CABD-4467-B3E4-518AE632CEFD}" srcId="{1A7623C2-A81C-4482-9299-BC0163471FAB}" destId="{419C87DA-40A8-4821-AAD6-13C37BFBD3A6}" srcOrd="0" destOrd="0" parTransId="{85A11BE1-347B-49B5-AC72-9C1AB2275E13}" sibTransId="{A6E22672-F33E-445C-A5CA-FAE2FC33A48F}"/>
     <dgm:cxn modelId="{FFDE1E2D-0763-43E2-9B7A-9B8A4A307384}" type="presOf" srcId="{7E2BC307-00A4-4C24-8D8C-DFB95093272A}" destId="{20F1E4D3-501B-4340-9FDE-088DE7F13A68}" srcOrd="0" destOrd="0" presId="urn:microsoft.com/office/officeart/2005/8/layout/process3"/>
-    <dgm:cxn modelId="{92D1E62E-96C7-4119-9742-0627DE80BAE7}" type="presOf" srcId="{B719D6A4-A993-45DB-A146-DAE9F97F07F0}" destId="{B7F2EF07-6214-497D-BA55-764794C93E25}" srcOrd="0" destOrd="0" presId="urn:microsoft.com/office/officeart/2005/8/layout/process3"/>
+    <dgm:cxn modelId="{49D6CC5A-E572-4612-937D-1D0710D0489A}" srcId="{1A7623C2-A81C-4482-9299-BC0163471FAB}" destId="{92E41638-751C-4DAF-BED0-8068509BA103}" srcOrd="3" destOrd="0" parTransId="{61B89784-8472-493B-8662-A4507C8E6636}" sibTransId="{266DFDC8-E951-4FCD-A878-357F137D1A42}"/>
+    <dgm:cxn modelId="{81587E0C-17C0-403E-840E-1F06DAC19733}" type="presOf" srcId="{7E2BC307-00A4-4C24-8D8C-DFB95093272A}" destId="{794EC879-4CF6-4BA1-B999-666E82C194B3}" srcOrd="1" destOrd="0" presId="urn:microsoft.com/office/officeart/2005/8/layout/process3"/>
+    <dgm:cxn modelId="{FF78654B-3DD8-43BB-AC4F-AD07327A9EB9}" srcId="{1A7623C2-A81C-4482-9299-BC0163471FAB}" destId="{C0FBAB5E-B30E-4C43-80CC-C31B0DAA5F30}" srcOrd="1" destOrd="0" parTransId="{AA3A7AE2-24D6-4C5F-AA37-643066052A30}" sibTransId="{7E2BC307-00A4-4C24-8D8C-DFB95093272A}"/>
+    <dgm:cxn modelId="{9686FEFE-B31B-49F1-B00E-3529B8AE0FEA}" srcId="{92E41638-751C-4DAF-BED0-8068509BA103}" destId="{C10AC814-B1B9-41EB-B009-771BA33E54D8}" srcOrd="1" destOrd="0" parTransId="{D0AE8BFC-66F1-4ECC-959D-FAFE704548B8}" sibTransId="{8FDB078F-13DC-4DB0-914A-20C9AB5A83E2}"/>
     <dgm:cxn modelId="{43233251-E6D4-4371-9FE2-A639AA9342A8}" type="presOf" srcId="{17621E8F-AE92-4FDF-B154-E2F076A29821}" destId="{3D866488-751E-4F83-9FB7-9CBC84C1CA03}" srcOrd="1" destOrd="0" presId="urn:microsoft.com/office/officeart/2005/8/layout/process3"/>
-    <dgm:cxn modelId="{49D6CC5A-E572-4612-937D-1D0710D0489A}" srcId="{1A7623C2-A81C-4482-9299-BC0163471FAB}" destId="{92E41638-751C-4DAF-BED0-8068509BA103}" srcOrd="3" destOrd="0" parTransId="{61B89784-8472-493B-8662-A4507C8E6636}" sibTransId="{266DFDC8-E951-4FCD-A878-357F137D1A42}"/>
+    <dgm:cxn modelId="{14619EFE-A231-44B4-91F9-98C08C05A9B8}" srcId="{C0FBAB5E-B30E-4C43-80CC-C31B0DAA5F30}" destId="{5C0D9B4C-0105-4F91-BBD3-51A6DF6938DB}" srcOrd="0" destOrd="0" parTransId="{824667F8-08B4-4AF1-98F4-887488A51601}" sibTransId="{CD9D7C8A-A7F0-40E6-8F5B-9D4D0545D3A3}"/>
+    <dgm:cxn modelId="{8B0CA2B6-0FAE-43A9-885A-868722D88EF3}" type="presOf" srcId="{92E41638-751C-4DAF-BED0-8068509BA103}" destId="{F4E39892-022D-446D-9DC3-BE5E85809436}" srcOrd="1" destOrd="0" presId="urn:microsoft.com/office/officeart/2005/8/layout/process3"/>
+    <dgm:cxn modelId="{ED92ABAA-BE0B-45E4-A28C-E60AA43AB947}" type="presOf" srcId="{C10AC814-B1B9-41EB-B009-771BA33E54D8}" destId="{3A2F0BCC-1E81-4D24-9A2C-487B41B45376}" srcOrd="0" destOrd="1" presId="urn:microsoft.com/office/officeart/2005/8/layout/process3"/>
+    <dgm:cxn modelId="{36FC8C57-9124-4A80-A62D-8AC99AB0B7AA}" type="presOf" srcId="{6BFED237-9C0C-443D-AE14-763A59E47CFF}" destId="{8B47F224-0C06-4F21-A1EA-3209E4A41202}" srcOrd="1" destOrd="0" presId="urn:microsoft.com/office/officeart/2005/8/layout/process3"/>
+    <dgm:cxn modelId="{5141DD49-89EF-4952-9D73-2D57E529F0DB}" type="presOf" srcId="{79A94B2D-53BF-4D76-BBF0-B64D979ED775}" destId="{D35B9998-9DEE-4D04-92E2-873EFDF16533}" srcOrd="0" destOrd="0" presId="urn:microsoft.com/office/officeart/2005/8/layout/process3"/>
+    <dgm:cxn modelId="{5939A3D7-A6C3-4832-8CC6-FB13C1C0DDCC}" type="presOf" srcId="{6BFED237-9C0C-443D-AE14-763A59E47CFF}" destId="{70610815-0680-4439-9F53-0252AF895075}" srcOrd="0" destOrd="0" presId="urn:microsoft.com/office/officeart/2005/8/layout/process3"/>
+    <dgm:cxn modelId="{022E588E-4119-4466-A78E-9C2AB07493D5}" srcId="{419C87DA-40A8-4821-AAD6-13C37BFBD3A6}" destId="{79A94B2D-53BF-4D76-BBF0-B64D979ED775}" srcOrd="0" destOrd="0" parTransId="{39A8BF0D-8386-4C88-A0E2-16ECB0A88F66}" sibTransId="{B56DB34D-72EC-4B35-A939-92173BF70A07}"/>
     <dgm:cxn modelId="{7EA6237C-59D7-4831-9247-836DF6E71632}" type="presOf" srcId="{85C870C1-C7F5-49F2-B626-55827B63F73E}" destId="{3A2F0BCC-1E81-4D24-9A2C-487B41B45376}" srcOrd="0" destOrd="0" presId="urn:microsoft.com/office/officeart/2005/8/layout/process3"/>
-    <dgm:cxn modelId="{C116626B-CABD-4467-B3E4-518AE632CEFD}" srcId="{1A7623C2-A81C-4482-9299-BC0163471FAB}" destId="{419C87DA-40A8-4821-AAD6-13C37BFBD3A6}" srcOrd="0" destOrd="0" parTransId="{85A11BE1-347B-49B5-AC72-9C1AB2275E13}" sibTransId="{A6E22672-F33E-445C-A5CA-FAE2FC33A48F}"/>
+    <dgm:cxn modelId="{B81AE464-F4BD-44B6-8465-5321C3149D44}" type="presOf" srcId="{17621E8F-AE92-4FDF-B154-E2F076A29821}" destId="{2B61891C-C638-4ED4-9587-808ABE1B5B12}" srcOrd="0" destOrd="0" presId="urn:microsoft.com/office/officeart/2005/8/layout/process3"/>
+    <dgm:cxn modelId="{F2F9F9D2-D0B1-4DBE-8695-70C2E2137319}" srcId="{92E41638-751C-4DAF-BED0-8068509BA103}" destId="{85C870C1-C7F5-49F2-B626-55827B63F73E}" srcOrd="0" destOrd="0" parTransId="{158B2FDE-3CFC-4B0B-878E-F712DE1FC917}" sibTransId="{ECFC803C-49E4-4743-A9B9-D38E355C587A}"/>
     <dgm:cxn modelId="{4445BBA1-BE13-4EA6-A45F-0F34F81BD8C9}" type="presOf" srcId="{419C87DA-40A8-4821-AAD6-13C37BFBD3A6}" destId="{95D55360-A94D-4494-8401-DC84312B9F2E}" srcOrd="1" destOrd="0" presId="urn:microsoft.com/office/officeart/2005/8/layout/process3"/>
-    <dgm:cxn modelId="{B81AE464-F4BD-44B6-8465-5321C3149D44}" type="presOf" srcId="{17621E8F-AE92-4FDF-B154-E2F076A29821}" destId="{2B61891C-C638-4ED4-9587-808ABE1B5B12}" srcOrd="0" destOrd="0" presId="urn:microsoft.com/office/officeart/2005/8/layout/process3"/>
-    <dgm:cxn modelId="{46FB11D8-1C66-4F9D-B584-A9334476484C}" type="presOf" srcId="{1A7623C2-A81C-4482-9299-BC0163471FAB}" destId="{663DFB0D-BF6B-4AFE-8B9B-2C4493BB2006}" srcOrd="0" destOrd="0" presId="urn:microsoft.com/office/officeart/2005/8/layout/process3"/>
-    <dgm:cxn modelId="{FF78654B-3DD8-43BB-AC4F-AD07327A9EB9}" srcId="{1A7623C2-A81C-4482-9299-BC0163471FAB}" destId="{C0FBAB5E-B30E-4C43-80CC-C31B0DAA5F30}" srcOrd="1" destOrd="0" parTransId="{AA3A7AE2-24D6-4C5F-AA37-643066052A30}" sibTransId="{7E2BC307-00A4-4C24-8D8C-DFB95093272A}"/>
-    <dgm:cxn modelId="{8F49C807-E960-494C-A4C2-622E1A28C7C7}" type="presOf" srcId="{A6E22672-F33E-445C-A5CA-FAE2FC33A48F}" destId="{2A9BF22A-E65D-476C-9319-D6E823FFB69C}" srcOrd="1" destOrd="0" presId="urn:microsoft.com/office/officeart/2005/8/layout/process3"/>
-    <dgm:cxn modelId="{8B0CA2B6-0FAE-43A9-885A-868722D88EF3}" type="presOf" srcId="{92E41638-751C-4DAF-BED0-8068509BA103}" destId="{F4E39892-022D-446D-9DC3-BE5E85809436}" srcOrd="1" destOrd="0" presId="urn:microsoft.com/office/officeart/2005/8/layout/process3"/>
-    <dgm:cxn modelId="{FBAAD5E5-4748-4741-B3A6-35AB3B0C8C63}" srcId="{17621E8F-AE92-4FDF-B154-E2F076A29821}" destId="{B719D6A4-A993-45DB-A146-DAE9F97F07F0}" srcOrd="0" destOrd="0" parTransId="{50D9BD64-ADA1-4955-B907-82C054B7A736}" sibTransId="{6D13A232-F981-4D2F-8FFC-D0F147EAF445}"/>
-    <dgm:cxn modelId="{F2F9F9D2-D0B1-4DBE-8695-70C2E2137319}" srcId="{92E41638-751C-4DAF-BED0-8068509BA103}" destId="{85C870C1-C7F5-49F2-B626-55827B63F73E}" srcOrd="0" destOrd="0" parTransId="{158B2FDE-3CFC-4B0B-878E-F712DE1FC917}" sibTransId="{ECFC803C-49E4-4743-A9B9-D38E355C587A}"/>
-    <dgm:cxn modelId="{0DE55B79-7146-4B5C-9FCD-4CFECF53F0DA}" type="presOf" srcId="{C0FBAB5E-B30E-4C43-80CC-C31B0DAA5F30}" destId="{2A332659-3449-431A-80D8-06E13F95FEB2}" srcOrd="1" destOrd="0" presId="urn:microsoft.com/office/officeart/2005/8/layout/process3"/>
-    <dgm:cxn modelId="{38D4D840-70DC-498C-BAEB-5BE45D340E40}" type="presOf" srcId="{92E41638-751C-4DAF-BED0-8068509BA103}" destId="{91DEC055-9722-4FDD-988D-727B8319D51F}" srcOrd="0" destOrd="0" presId="urn:microsoft.com/office/officeart/2005/8/layout/process3"/>
-    <dgm:cxn modelId="{5939A3D7-A6C3-4832-8CC6-FB13C1C0DDCC}" type="presOf" srcId="{6BFED237-9C0C-443D-AE14-763A59E47CFF}" destId="{70610815-0680-4439-9F53-0252AF895075}" srcOrd="0" destOrd="0" presId="urn:microsoft.com/office/officeart/2005/8/layout/process3"/>
-    <dgm:cxn modelId="{0137AD94-6DD1-4772-AB89-4D6F5627FBCD}" srcId="{1A7623C2-A81C-4482-9299-BC0163471FAB}" destId="{17621E8F-AE92-4FDF-B154-E2F076A29821}" srcOrd="2" destOrd="0" parTransId="{134A4E8D-6FC8-473B-AE99-0A34FA657CDB}" sibTransId="{6BFED237-9C0C-443D-AE14-763A59E47CFF}"/>
-    <dgm:cxn modelId="{15E4C2E0-F6AE-4C16-B899-B224ECB16AC1}" type="presOf" srcId="{A6E22672-F33E-445C-A5CA-FAE2FC33A48F}" destId="{00F0F1EC-87AE-4DC2-A5B1-44D86CEBC36E}" srcOrd="0" destOrd="0" presId="urn:microsoft.com/office/officeart/2005/8/layout/process3"/>
-    <dgm:cxn modelId="{7F13216F-20BD-4487-8A7D-DC250E2CFD69}" type="presOf" srcId="{419C87DA-40A8-4821-AAD6-13C37BFBD3A6}" destId="{C3CCB23C-C776-4195-9016-B79DDCB966B1}" srcOrd="0" destOrd="0" presId="urn:microsoft.com/office/officeart/2005/8/layout/process3"/>
-    <dgm:cxn modelId="{0E8847D2-8D92-43EB-BEEE-A125A5C9350F}" type="presOf" srcId="{5C0D9B4C-0105-4F91-BBD3-51A6DF6938DB}" destId="{168B12A3-5B4A-4662-A64D-E27217922E28}" srcOrd="0" destOrd="0" presId="urn:microsoft.com/office/officeart/2005/8/layout/process3"/>
-    <dgm:cxn modelId="{81587E0C-17C0-403E-840E-1F06DAC19733}" type="presOf" srcId="{7E2BC307-00A4-4C24-8D8C-DFB95093272A}" destId="{794EC879-4CF6-4BA1-B999-666E82C194B3}" srcOrd="1" destOrd="0" presId="urn:microsoft.com/office/officeart/2005/8/layout/process3"/>
-    <dgm:cxn modelId="{5141DD49-89EF-4952-9D73-2D57E529F0DB}" type="presOf" srcId="{79A94B2D-53BF-4D76-BBF0-B64D979ED775}" destId="{D35B9998-9DEE-4D04-92E2-873EFDF16533}" srcOrd="0" destOrd="0" presId="urn:microsoft.com/office/officeart/2005/8/layout/process3"/>
-    <dgm:cxn modelId="{36FC8C57-9124-4A80-A62D-8AC99AB0B7AA}" type="presOf" srcId="{6BFED237-9C0C-443D-AE14-763A59E47CFF}" destId="{8B47F224-0C06-4F21-A1EA-3209E4A41202}" srcOrd="1" destOrd="0" presId="urn:microsoft.com/office/officeart/2005/8/layout/process3"/>
-    <dgm:cxn modelId="{022E588E-4119-4466-A78E-9C2AB07493D5}" srcId="{419C87DA-40A8-4821-AAD6-13C37BFBD3A6}" destId="{79A94B2D-53BF-4D76-BBF0-B64D979ED775}" srcOrd="0" destOrd="0" parTransId="{39A8BF0D-8386-4C88-A0E2-16ECB0A88F66}" sibTransId="{B56DB34D-72EC-4B35-A939-92173BF70A07}"/>
-    <dgm:cxn modelId="{14619EFE-A231-44B4-91F9-98C08C05A9B8}" srcId="{C0FBAB5E-B30E-4C43-80CC-C31B0DAA5F30}" destId="{5C0D9B4C-0105-4F91-BBD3-51A6DF6938DB}" srcOrd="0" destOrd="0" parTransId="{824667F8-08B4-4AF1-98F4-887488A51601}" sibTransId="{CD9D7C8A-A7F0-40E6-8F5B-9D4D0545D3A3}"/>
-    <dgm:cxn modelId="{3094E556-240D-4689-8315-2B25827B273F}" type="presOf" srcId="{C0FBAB5E-B30E-4C43-80CC-C31B0DAA5F30}" destId="{5FF6C761-19ED-4942-AA7D-A2FD13814565}" srcOrd="0" destOrd="0" presId="urn:microsoft.com/office/officeart/2005/8/layout/process3"/>
     <dgm:cxn modelId="{E4914C15-E6CD-47EB-9023-2D2AD9D35100}" type="presParOf" srcId="{663DFB0D-BF6B-4AFE-8B9B-2C4493BB2006}" destId="{2DC73C6F-2D01-411A-B62C-59D32D4B49C2}" srcOrd="0" destOrd="0" presId="urn:microsoft.com/office/officeart/2005/8/layout/process3"/>
     <dgm:cxn modelId="{28F72F0C-3E9A-4EB4-A3FC-11E696F41761}" type="presParOf" srcId="{2DC73C6F-2D01-411A-B62C-59D32D4B49C2}" destId="{C3CCB23C-C776-4195-9016-B79DDCB966B1}" srcOrd="0" destOrd="0" presId="urn:microsoft.com/office/officeart/2005/8/layout/process3"/>
     <dgm:cxn modelId="{C5E81D07-C5F6-4E37-8288-E9E475DB6988}" type="presParOf" srcId="{2DC73C6F-2D01-411A-B62C-59D32D4B49C2}" destId="{95D55360-A94D-4494-8401-DC84312B9F2E}" srcOrd="1" destOrd="0" presId="urn:microsoft.com/office/officeart/2005/8/layout/process3"/>
@@ -1777,10 +1916,6 @@
             </a:spcAft>
             <a:buChar char="••"/>
           </a:pPr>
-          <a:r>
-            <a:rPr lang="de-DE" sz="1800" kern="1200" dirty="0" smtClean="0"/>
-            <a:t>Miguel</a:t>
-          </a:r>
           <a:endParaRPr lang="de-DE" sz="1800" kern="1200" dirty="0"/>
         </a:p>
       </dsp:txBody>
@@ -2241,6 +2376,25 @@
           </a:r>
           <a:endParaRPr lang="de-DE" sz="1800" kern="1200" dirty="0"/>
         </a:p>
+        <a:p>
+          <a:pPr marL="171450" lvl="1" indent="-171450" algn="l" defTabSz="800100">
+            <a:lnSpc>
+              <a:spcPct val="90000"/>
+            </a:lnSpc>
+            <a:spcBef>
+              <a:spcPct val="0"/>
+            </a:spcBef>
+            <a:spcAft>
+              <a:spcPct val="15000"/>
+            </a:spcAft>
+            <a:buChar char="••"/>
+          </a:pPr>
+          <a:r>
+            <a:rPr lang="de-DE" sz="1800" kern="1200" dirty="0" smtClean="0"/>
+            <a:t>Miguel</a:t>
+          </a:r>
+          <a:endParaRPr lang="de-DE" sz="1800" kern="1200" dirty="0"/>
+        </a:p>
       </dsp:txBody>
       <dsp:txXfrm>
         <a:off x="9238022" y="1976436"/>
@@ -3717,7 +3871,7 @@
           <a:p>
             <a:fld id="{1B30DC93-82DF-4DDB-94B9-3C9D93A7C249}" type="datetimeFigureOut">
               <a:rPr lang="de-DE" smtClean="0"/>
-              <a:t>19.09.2016</a:t>
+              <a:t>28.09.2016</a:t>
             </a:fld>
             <a:endParaRPr lang="de-DE"/>
           </a:p>
@@ -3887,7 +4041,7 @@
           <a:p>
             <a:fld id="{1B30DC93-82DF-4DDB-94B9-3C9D93A7C249}" type="datetimeFigureOut">
               <a:rPr lang="de-DE" smtClean="0"/>
-              <a:t>19.09.2016</a:t>
+              <a:t>28.09.2016</a:t>
             </a:fld>
             <a:endParaRPr lang="de-DE"/>
           </a:p>
@@ -4067,7 +4221,7 @@
           <a:p>
             <a:fld id="{1B30DC93-82DF-4DDB-94B9-3C9D93A7C249}" type="datetimeFigureOut">
               <a:rPr lang="de-DE" smtClean="0"/>
-              <a:t>19.09.2016</a:t>
+              <a:t>28.09.2016</a:t>
             </a:fld>
             <a:endParaRPr lang="de-DE"/>
           </a:p>
@@ -4237,7 +4391,7 @@
           <a:p>
             <a:fld id="{1B30DC93-82DF-4DDB-94B9-3C9D93A7C249}" type="datetimeFigureOut">
               <a:rPr lang="de-DE" smtClean="0"/>
-              <a:t>19.09.2016</a:t>
+              <a:t>28.09.2016</a:t>
             </a:fld>
             <a:endParaRPr lang="de-DE"/>
           </a:p>
@@ -4483,7 +4637,7 @@
           <a:p>
             <a:fld id="{1B30DC93-82DF-4DDB-94B9-3C9D93A7C249}" type="datetimeFigureOut">
               <a:rPr lang="de-DE" smtClean="0"/>
-              <a:t>19.09.2016</a:t>
+              <a:t>28.09.2016</a:t>
             </a:fld>
             <a:endParaRPr lang="de-DE"/>
           </a:p>
@@ -4715,7 +4869,7 @@
           <a:p>
             <a:fld id="{1B30DC93-82DF-4DDB-94B9-3C9D93A7C249}" type="datetimeFigureOut">
               <a:rPr lang="de-DE" smtClean="0"/>
-              <a:t>19.09.2016</a:t>
+              <a:t>28.09.2016</a:t>
             </a:fld>
             <a:endParaRPr lang="de-DE"/>
           </a:p>
@@ -5082,7 +5236,7 @@
           <a:p>
             <a:fld id="{1B30DC93-82DF-4DDB-94B9-3C9D93A7C249}" type="datetimeFigureOut">
               <a:rPr lang="de-DE" smtClean="0"/>
-              <a:t>19.09.2016</a:t>
+              <a:t>28.09.2016</a:t>
             </a:fld>
             <a:endParaRPr lang="de-DE"/>
           </a:p>
@@ -5200,7 +5354,7 @@
           <a:p>
             <a:fld id="{1B30DC93-82DF-4DDB-94B9-3C9D93A7C249}" type="datetimeFigureOut">
               <a:rPr lang="de-DE" smtClean="0"/>
-              <a:t>19.09.2016</a:t>
+              <a:t>28.09.2016</a:t>
             </a:fld>
             <a:endParaRPr lang="de-DE"/>
           </a:p>
@@ -5295,7 +5449,7 @@
           <a:p>
             <a:fld id="{1B30DC93-82DF-4DDB-94B9-3C9D93A7C249}" type="datetimeFigureOut">
               <a:rPr lang="de-DE" smtClean="0"/>
-              <a:t>19.09.2016</a:t>
+              <a:t>28.09.2016</a:t>
             </a:fld>
             <a:endParaRPr lang="de-DE"/>
           </a:p>
@@ -5572,7 +5726,7 @@
           <a:p>
             <a:fld id="{1B30DC93-82DF-4DDB-94B9-3C9D93A7C249}" type="datetimeFigureOut">
               <a:rPr lang="de-DE" smtClean="0"/>
-              <a:t>19.09.2016</a:t>
+              <a:t>28.09.2016</a:t>
             </a:fld>
             <a:endParaRPr lang="de-DE"/>
           </a:p>
@@ -5825,7 +5979,7 @@
           <a:p>
             <a:fld id="{1B30DC93-82DF-4DDB-94B9-3C9D93A7C249}" type="datetimeFigureOut">
               <a:rPr lang="de-DE" smtClean="0"/>
-              <a:t>19.09.2016</a:t>
+              <a:t>28.09.2016</a:t>
             </a:fld>
             <a:endParaRPr lang="de-DE"/>
           </a:p>
@@ -6038,7 +6192,7 @@
           <a:p>
             <a:fld id="{1B30DC93-82DF-4DDB-94B9-3C9D93A7C249}" type="datetimeFigureOut">
               <a:rPr lang="de-DE" smtClean="0"/>
-              <a:t>19.09.2016</a:t>
+              <a:t>28.09.2016</a:t>
             </a:fld>
             <a:endParaRPr lang="de-DE"/>
           </a:p>
@@ -6557,7 +6711,7 @@
             <p:ph idx="1"/>
             <p:extLst>
               <p:ext uri="{D42A27DB-BD31-4B8C-83A1-F6EECF244321}">
-                <p14:modId xmlns:p14="http://schemas.microsoft.com/office/powerpoint/2010/main" val="1859221358"/>
+                <p14:modId xmlns:p14="http://schemas.microsoft.com/office/powerpoint/2010/main" val="698632613"/>
               </p:ext>
             </p:extLst>
           </p:nvPr>
@@ -6620,6 +6774,78 @@
     <p:extLst>
       <p:ext uri="{BB962C8B-B14F-4D97-AF65-F5344CB8AC3E}">
         <p14:creationId xmlns:p14="http://schemas.microsoft.com/office/powerpoint/2010/main" val="1116082898"/>
+      </p:ext>
+    </p:extLst>
+  </p:cSld>
+  <p:clrMapOvr>
+    <a:masterClrMapping/>
+  </p:clrMapOvr>
+</p:sld>
+</file>
+
+<file path=ppt/slides/slide3.xml><?xml version="1.0" encoding="utf-8"?>
+<p:sld xmlns:a="http://schemas.openxmlformats.org/drawingml/2006/main" xmlns:r="http://schemas.openxmlformats.org/officeDocument/2006/relationships" xmlns:p="http://schemas.openxmlformats.org/presentationml/2006/main">
+  <p:cSld>
+    <p:spTree>
+      <p:nvGrpSpPr>
+        <p:cNvPr id="1" name=""/>
+        <p:cNvGrpSpPr/>
+        <p:nvPr/>
+      </p:nvGrpSpPr>
+      <p:grpSpPr>
+        <a:xfrm>
+          <a:off x="0" y="0"/>
+          <a:ext cx="0" cy="0"/>
+          <a:chOff x="0" y="0"/>
+          <a:chExt cx="0" cy="0"/>
+        </a:xfrm>
+      </p:grpSpPr>
+      <p:sp>
+        <p:nvSpPr>
+          <p:cNvPr id="2" name="Titel 1"/>
+          <p:cNvSpPr>
+            <a:spLocks noGrp="1"/>
+          </p:cNvSpPr>
+          <p:nvPr>
+            <p:ph type="title"/>
+          </p:nvPr>
+        </p:nvSpPr>
+        <p:spPr/>
+        <p:txBody>
+          <a:bodyPr/>
+          <a:lstStyle/>
+          <a:p>
+            <a:r>
+              <a:rPr lang="de-DE" dirty="0" smtClean="0"/>
+              <a:t>Zustandsautomat</a:t>
+            </a:r>
+            <a:endParaRPr lang="de-DE" dirty="0"/>
+          </a:p>
+        </p:txBody>
+      </p:sp>
+      <p:sp>
+        <p:nvSpPr>
+          <p:cNvPr id="3" name="Inhaltsplatzhalter 2"/>
+          <p:cNvSpPr>
+            <a:spLocks noGrp="1"/>
+          </p:cNvSpPr>
+          <p:nvPr>
+            <p:ph idx="1"/>
+          </p:nvPr>
+        </p:nvSpPr>
+        <p:spPr/>
+        <p:txBody>
+          <a:bodyPr/>
+          <a:lstStyle/>
+          <a:p>
+            <a:endParaRPr lang="de-DE"/>
+          </a:p>
+        </p:txBody>
+      </p:sp>
+    </p:spTree>
+    <p:extLst>
+      <p:ext uri="{BB962C8B-B14F-4D97-AF65-F5344CB8AC3E}">
+        <p14:creationId xmlns:p14="http://schemas.microsoft.com/office/powerpoint/2010/main" val="3634713453"/>
       </p:ext>
     </p:extLst>
   </p:cSld>
